--- a/Presentation-18 Nov.pptx
+++ b/Presentation-18 Nov.pptx
@@ -6307,7 +6307,23 @@
                 <a:latin typeface="DIN Next LT Arabic" panose="020B0503020203050203" pitchFamily="34" charset="-78"/>
                 <a:cs typeface="DIN Next LT Arabic" panose="020B0503020203050203" pitchFamily="34" charset="-78"/>
               </a:rPr>
-              <a:t>.  </a:t>
+              <a:t>.</a:t>
+            </a:r>
+          </a:p>
+          <a:p>
+            <a:pPr rtl="1"/>
+            <a:r>
+              <a:rPr lang="en-US" sz="2800" b="1" dirty="0">
+                <a:solidFill>
+                  <a:schemeClr val="tx1">
+                    <a:lumMod val="50000"/>
+                    <a:lumOff val="50000"/>
+                  </a:schemeClr>
+                </a:solidFill>
+                <a:latin typeface="DIN Next LT Arabic" panose="020B0503020203050203" pitchFamily="34" charset="-78"/>
+                <a:cs typeface="DIN Next LT Arabic" panose="020B0503020203050203" pitchFamily="34" charset="-78"/>
+              </a:rPr>
+              <a:t>Accuracy(0.6171)   </a:t>
             </a:r>
           </a:p>
         </p:txBody>
@@ -6773,6 +6789,35 @@
               <a:t>.  </a:t>
             </a:r>
           </a:p>
+          <a:p>
+            <a:pPr rtl="1"/>
+            <a:r>
+              <a:rPr lang="en-US" sz="2800" b="1" dirty="0">
+                <a:solidFill>
+                  <a:schemeClr val="tx1">
+                    <a:lumMod val="50000"/>
+                    <a:lumOff val="50000"/>
+                  </a:schemeClr>
+                </a:solidFill>
+                <a:latin typeface="DIN Next LT Arabic" panose="020B0503020203050203" pitchFamily="34" charset="-78"/>
+                <a:cs typeface="DIN Next LT Arabic" panose="020B0503020203050203" pitchFamily="34" charset="-78"/>
+              </a:rPr>
+              <a:t>Accuracy(0.6171)   </a:t>
+            </a:r>
+          </a:p>
+          <a:p>
+            <a:pPr rtl="1"/>
+            <a:endParaRPr lang="en-US" sz="2800" b="1" dirty="0">
+              <a:solidFill>
+                <a:schemeClr val="tx1">
+                  <a:lumMod val="50000"/>
+                  <a:lumOff val="50000"/>
+                </a:schemeClr>
+              </a:solidFill>
+              <a:latin typeface="DIN Next LT Arabic" panose="020B0503020203050203" pitchFamily="34" charset="-78"/>
+              <a:cs typeface="DIN Next LT Arabic" panose="020B0503020203050203" pitchFamily="34" charset="-78"/>
+            </a:endParaRPr>
+          </a:p>
         </p:txBody>
       </p:sp>
       <p:pic>
@@ -7237,7 +7282,23 @@
                 <a:latin typeface="DIN Next LT Arabic" panose="020B0503020203050203" pitchFamily="34" charset="-78"/>
                 <a:cs typeface="DIN Next LT Arabic" panose="020B0503020203050203" pitchFamily="34" charset="-78"/>
               </a:rPr>
-              <a:t>.  </a:t>
+              <a:t>.</a:t>
+            </a:r>
+          </a:p>
+          <a:p>
+            <a:pPr rtl="1"/>
+            <a:r>
+              <a:rPr lang="en-US" sz="2800" b="1" dirty="0">
+                <a:solidFill>
+                  <a:schemeClr val="tx1">
+                    <a:lumMod val="50000"/>
+                    <a:lumOff val="50000"/>
+                  </a:schemeClr>
+                </a:solidFill>
+                <a:latin typeface="DIN Next LT Arabic" panose="020B0503020203050203" pitchFamily="34" charset="-78"/>
+                <a:cs typeface="DIN Next LT Arabic" panose="020B0503020203050203" pitchFamily="34" charset="-78"/>
+              </a:rPr>
+              <a:t>Accuracy(0.6171)     </a:t>
             </a:r>
           </a:p>
         </p:txBody>
